--- a/pm/SmartCartTaskboard.pptx
+++ b/pm/SmartCartTaskboard.pptx
@@ -8002,7 +8002,7 @@
         </p:nvSpPr>
         <p:spPr>
           <a:xfrm>
-            <a:off x="4979650" y="2038133"/>
+            <a:off x="8450317" y="2861441"/>
             <a:ext cx="2722179" cy="493987"/>
           </a:xfrm>
           <a:prstGeom prst="rect">
@@ -8049,7 +8049,7 @@
         </p:nvSpPr>
         <p:spPr>
           <a:xfrm>
-            <a:off x="4979650" y="2649485"/>
+            <a:off x="8450316" y="3438636"/>
             <a:ext cx="2722179" cy="493987"/>
           </a:xfrm>
           <a:prstGeom prst="rect">
@@ -8100,7 +8100,7 @@
         </p:nvSpPr>
         <p:spPr>
           <a:xfrm>
-            <a:off x="4979650" y="3260837"/>
+            <a:off x="8450316" y="4011833"/>
             <a:ext cx="2722179" cy="493987"/>
           </a:xfrm>
           <a:prstGeom prst="rect">
@@ -8151,7 +8151,101 @@
         </p:nvSpPr>
         <p:spPr>
           <a:xfrm>
-            <a:off x="1508983" y="2035505"/>
+            <a:off x="4979650" y="2261477"/>
+            <a:ext cx="2722179" cy="493987"/>
+          </a:xfrm>
+          <a:prstGeom prst="rect">
+            <a:avLst/>
+          </a:prstGeom>
+          <a:solidFill>
+            <a:srgbClr val="92D050"/>
+          </a:solidFill>
+        </p:spPr>
+        <p:style>
+          <a:lnRef idx="2">
+            <a:schemeClr val="accent1">
+              <a:shade val="50000"/>
+            </a:schemeClr>
+          </a:lnRef>
+          <a:fillRef idx="1">
+            <a:schemeClr val="accent1"/>
+          </a:fillRef>
+          <a:effectRef idx="0">
+            <a:schemeClr val="accent1"/>
+          </a:effectRef>
+          <a:fontRef idx="minor">
+            <a:schemeClr val="lt1"/>
+          </a:fontRef>
+        </p:style>
+        <p:txBody>
+          <a:bodyPr rtlCol="0" anchor="ctr"/>
+          <a:lstStyle/>
+          <a:p>
+            <a:pPr algn="ctr"/>
+            <a:r>
+              <a:rPr lang="de-DE" dirty="0" smtClean="0"/>
+              <a:t>UI-Sketches</a:t>
+            </a:r>
+            <a:endParaRPr lang="de-DE" dirty="0"/>
+          </a:p>
+        </p:txBody>
+      </p:sp>
+      <p:sp>
+        <p:nvSpPr>
+          <p:cNvPr id="11" name="Rechteck 10"/>
+          <p:cNvSpPr/>
+          <p:nvPr/>
+        </p:nvSpPr>
+        <p:spPr>
+          <a:xfrm>
+            <a:off x="8450316" y="4617548"/>
+            <a:ext cx="2722179" cy="493987"/>
+          </a:xfrm>
+          <a:prstGeom prst="rect">
+            <a:avLst/>
+          </a:prstGeom>
+          <a:solidFill>
+            <a:srgbClr val="92D050"/>
+          </a:solidFill>
+        </p:spPr>
+        <p:style>
+          <a:lnRef idx="2">
+            <a:schemeClr val="accent1">
+              <a:shade val="50000"/>
+            </a:schemeClr>
+          </a:lnRef>
+          <a:fillRef idx="1">
+            <a:schemeClr val="accent1"/>
+          </a:fillRef>
+          <a:effectRef idx="0">
+            <a:schemeClr val="accent1"/>
+          </a:effectRef>
+          <a:fontRef idx="minor">
+            <a:schemeClr val="lt1"/>
+          </a:fontRef>
+        </p:style>
+        <p:txBody>
+          <a:bodyPr rtlCol="0" anchor="ctr"/>
+          <a:lstStyle/>
+          <a:p>
+            <a:pPr algn="ctr"/>
+            <a:r>
+              <a:rPr lang="de-DE" dirty="0" err="1" smtClean="0"/>
+              <a:t>StateMachine</a:t>
+            </a:r>
+            <a:endParaRPr lang="de-DE" dirty="0"/>
+          </a:p>
+        </p:txBody>
+      </p:sp>
+      <p:sp>
+        <p:nvSpPr>
+          <p:cNvPr id="12" name="Rechteck 11"/>
+          <p:cNvSpPr/>
+          <p:nvPr/>
+        </p:nvSpPr>
+        <p:spPr>
+          <a:xfrm>
+            <a:off x="1508982" y="2262352"/>
             <a:ext cx="2722179" cy="493987"/>
           </a:xfrm>
           <a:prstGeom prst="rect">
@@ -8185,8 +8279,16 @@
           <a:p>
             <a:pPr algn="ctr"/>
             <a:r>
+              <a:rPr lang="de-DE" dirty="0" err="1" smtClean="0"/>
+              <a:t>Context</a:t>
+            </a:r>
+            <a:r>
               <a:rPr lang="de-DE" dirty="0" smtClean="0"/>
-              <a:t>UI-Sketches</a:t>
+              <a:t> </a:t>
+            </a:r>
+            <a:r>
+              <a:rPr lang="de-DE" dirty="0" err="1" smtClean="0"/>
+              <a:t>Diagram</a:t>
             </a:r>
             <a:endParaRPr lang="de-DE" dirty="0"/>
           </a:p>
@@ -8194,20 +8296,20 @@
       </p:sp>
       <p:sp>
         <p:nvSpPr>
-          <p:cNvPr id="11" name="Rechteck 10"/>
+          <p:cNvPr id="13" name="Rechteck 12"/>
           <p:cNvSpPr/>
           <p:nvPr/>
         </p:nvSpPr>
         <p:spPr>
           <a:xfrm>
-            <a:off x="4979650" y="3932623"/>
-            <a:ext cx="2722179" cy="493987"/>
+            <a:off x="4979650" y="2931021"/>
+            <a:ext cx="2722179" cy="556168"/>
           </a:xfrm>
           <a:prstGeom prst="rect">
             <a:avLst/>
           </a:prstGeom>
           <a:solidFill>
-            <a:srgbClr val="92D050"/>
+            <a:schemeClr val="accent3"/>
           </a:solidFill>
         </p:spPr>
         <p:style>
@@ -8232,8 +8334,16 @@
           <a:p>
             <a:pPr algn="ctr"/>
             <a:r>
+              <a:rPr lang="de-DE" dirty="0" smtClean="0"/>
+              <a:t>Tech. Stack (Shop </a:t>
+            </a:r>
+            <a:r>
               <a:rPr lang="de-DE" dirty="0" err="1" smtClean="0"/>
-              <a:t>StateMachine</a:t>
+              <a:t>Detection</a:t>
+            </a:r>
+            <a:r>
+              <a:rPr lang="de-DE" dirty="0" smtClean="0"/>
+              <a:t>)</a:t>
             </a:r>
             <a:endParaRPr lang="de-DE" dirty="0"/>
           </a:p>
@@ -8241,13 +8351,13 @@
       </p:sp>
       <p:sp>
         <p:nvSpPr>
-          <p:cNvPr id="12" name="Rechteck 11"/>
+          <p:cNvPr id="14" name="Rechteck 13"/>
           <p:cNvSpPr/>
           <p:nvPr/>
         </p:nvSpPr>
         <p:spPr>
           <a:xfrm>
-            <a:off x="1508983" y="3379077"/>
+            <a:off x="1508982" y="2931021"/>
             <a:ext cx="2722179" cy="493987"/>
           </a:xfrm>
           <a:prstGeom prst="rect">
@@ -8281,65 +8391,8 @@
           <a:p>
             <a:pPr algn="ctr"/>
             <a:r>
-              <a:rPr lang="de-DE" dirty="0" err="1" smtClean="0"/>
-              <a:t>Context</a:t>
-            </a:r>
-            <a:r>
               <a:rPr lang="de-DE" dirty="0" smtClean="0"/>
-              <a:t> </a:t>
-            </a:r>
-            <a:r>
-              <a:rPr lang="de-DE" dirty="0" err="1" smtClean="0"/>
-              <a:t>Diagram</a:t>
-            </a:r>
-            <a:endParaRPr lang="de-DE" dirty="0"/>
-          </a:p>
-        </p:txBody>
-      </p:sp>
-      <p:sp>
-        <p:nvSpPr>
-          <p:cNvPr id="13" name="Rechteck 12"/>
-          <p:cNvSpPr/>
-          <p:nvPr/>
-        </p:nvSpPr>
-        <p:spPr>
-          <a:xfrm>
-            <a:off x="1508982" y="4050863"/>
-            <a:ext cx="2722179" cy="493987"/>
-          </a:xfrm>
-          <a:prstGeom prst="rect">
-            <a:avLst/>
-          </a:prstGeom>
-          <a:solidFill>
-            <a:schemeClr val="bg1">
-              <a:lumMod val="50000"/>
-            </a:schemeClr>
-          </a:solidFill>
-        </p:spPr>
-        <p:style>
-          <a:lnRef idx="2">
-            <a:schemeClr val="accent1">
-              <a:shade val="50000"/>
-            </a:schemeClr>
-          </a:lnRef>
-          <a:fillRef idx="1">
-            <a:schemeClr val="accent1"/>
-          </a:fillRef>
-          <a:effectRef idx="0">
-            <a:schemeClr val="accent1"/>
-          </a:effectRef>
-          <a:fontRef idx="minor">
-            <a:schemeClr val="lt1"/>
-          </a:fontRef>
-        </p:style>
-        <p:txBody>
-          <a:bodyPr rtlCol="0" anchor="ctr"/>
-          <a:lstStyle/>
-          <a:p>
-            <a:pPr algn="ctr"/>
-            <a:r>
-              <a:rPr lang="de-DE" dirty="0" smtClean="0"/>
-              <a:t>Tech. Stack</a:t>
+              <a:t>Tech. Stack Backend</a:t>
             </a:r>
             <a:endParaRPr lang="de-DE" dirty="0"/>
           </a:p>
